--- a/database/slides/HERE_I_AM_TO_WORSHIP.pptx
+++ b/database/slides/HERE_I_AM_TO_WORSHIP.pptx
@@ -765,10 +765,10 @@
               <a:buNone/>
             </a:pPr>
             <a:r>
-              <a:rPr lang="en-US"/>
+              <a:rPr lang="en-US" dirty="0"/>
               <a:t>RECEIPPT-TAGS:PRAISE</a:t>
             </a:r>
-            <a:endParaRPr/>
+            <a:endParaRPr dirty="0"/>
           </a:p>
         </p:txBody>
       </p:sp>
@@ -15903,7 +15903,13 @@
       </p:sp>
       <p:sp>
         <p:nvSpPr>
-          <p:cNvPr id="131" name="Google Shape;131;p25"/>
+          <p:cNvPr id="2" name="Google Shape;131;p25">
+            <a:extLst>
+              <a:ext uri="{FF2B5EF4-FFF2-40B4-BE49-F238E27FC236}">
+                <a16:creationId xmlns:a16="http://schemas.microsoft.com/office/drawing/2014/main" id="{B37F20CD-9A04-0C92-4692-BDC5C0A01FD7}"/>
+              </a:ext>
+            </a:extLst>
+          </p:cNvPr>
           <p:cNvSpPr txBox="1"/>
           <p:nvPr/>
         </p:nvSpPr>
@@ -16261,7 +16267,13 @@
       </p:sp>
       <p:sp>
         <p:nvSpPr>
-          <p:cNvPr id="131" name="Google Shape;131;p25"/>
+          <p:cNvPr id="2" name="Google Shape;131;p25">
+            <a:extLst>
+              <a:ext uri="{FF2B5EF4-FFF2-40B4-BE49-F238E27FC236}">
+                <a16:creationId xmlns:a16="http://schemas.microsoft.com/office/drawing/2014/main" id="{CC11EFE7-35F9-AFDA-5775-1ED5BA89C3DC}"/>
+              </a:ext>
+            </a:extLst>
+          </p:cNvPr>
           <p:cNvSpPr txBox="1"/>
           <p:nvPr/>
         </p:nvSpPr>
